--- a/doc/Esql简介.pptx
+++ b/doc/Esql简介.pptx
@@ -2,14 +2,13 @@
 <file path=ppt/presentation.xml><?xml version="1.0" encoding="utf-8"?>
 <p:presentation xmlns:a="http://schemas.openxmlformats.org/drawingml/2006/main" xmlns:r="http://schemas.openxmlformats.org/officeDocument/2006/relationships" xmlns:p="http://schemas.openxmlformats.org/presentationml/2006/main" saveSubsetFonts="1">
   <p:sldMasterIdLst>
-    <p:sldMasterId id="2147483660" r:id="rId1"/>
+    <p:sldMasterId id="2147483672" r:id="rId1"/>
   </p:sldMasterIdLst>
   <p:sldIdLst>
     <p:sldId id="256" r:id="rId2"/>
     <p:sldId id="257" r:id="rId3"/>
-    <p:sldId id="258" r:id="rId4"/>
-    <p:sldId id="259" r:id="rId5"/>
-    <p:sldId id="260" r:id="rId6"/>
+    <p:sldId id="259" r:id="rId4"/>
+    <p:sldId id="260" r:id="rId5"/>
   </p:sldIdLst>
   <p:sldSz cx="9144000" cy="6858000" type="screen4x3"/>
   <p:notesSz cx="6858000" cy="9144000"/>
@@ -140,7 +139,7 @@
         </p:nvSpPr>
         <p:spPr>
           <a:xfrm>
-            <a:off x="685800" y="2130426"/>
+            <a:off x="685800" y="2130425"/>
             <a:ext cx="7772400" cy="1470025"/>
           </a:xfrm>
         </p:spPr>
@@ -292,7 +291,7 @@
           <a:p>
             <a:fld id="{B55C0BEB-FAE8-4553-9EB7-0AE4585424C2}" type="datetimeFigureOut">
               <a:rPr lang="zh-CN" altLang="en-US" smtClean="0"/>
-              <a:t>2012/8/31</a:t>
+              <a:t>2012/10/11</a:t>
             </a:fld>
             <a:endParaRPr lang="zh-CN" altLang="en-US"/>
           </a:p>
@@ -341,6 +340,11 @@
         </p:txBody>
       </p:sp>
     </p:spTree>
+    <p:extLst>
+      <p:ext uri="{BB962C8B-B14F-4D97-AF65-F5344CB8AC3E}">
+        <p14:creationId xmlns:p14="http://schemas.microsoft.com/office/powerpoint/2010/main" val="1733077012"/>
+      </p:ext>
+    </p:extLst>
   </p:cSld>
   <p:clrMapOvr>
     <a:masterClrMapping/>
@@ -457,7 +461,7 @@
           <a:p>
             <a:fld id="{B55C0BEB-FAE8-4553-9EB7-0AE4585424C2}" type="datetimeFigureOut">
               <a:rPr lang="zh-CN" altLang="en-US" smtClean="0"/>
-              <a:t>2012/8/31</a:t>
+              <a:t>2012/10/11</a:t>
             </a:fld>
             <a:endParaRPr lang="zh-CN" altLang="en-US"/>
           </a:p>
@@ -506,6 +510,11 @@
         </p:txBody>
       </p:sp>
     </p:spTree>
+    <p:extLst>
+      <p:ext uri="{BB962C8B-B14F-4D97-AF65-F5344CB8AC3E}">
+        <p14:creationId xmlns:p14="http://schemas.microsoft.com/office/powerpoint/2010/main" val="2278719516"/>
+      </p:ext>
+    </p:extLst>
   </p:cSld>
   <p:clrMapOvr>
     <a:masterClrMapping/>
@@ -542,8 +551,8 @@
         </p:nvSpPr>
         <p:spPr>
           <a:xfrm>
-            <a:off x="4972049" y="366713"/>
-            <a:ext cx="1543051" cy="7800975"/>
+            <a:off x="6629400" y="274638"/>
+            <a:ext cx="2057400" cy="5851525"/>
           </a:xfrm>
         </p:spPr>
         <p:txBody>
@@ -570,8 +579,8 @@
         </p:nvSpPr>
         <p:spPr>
           <a:xfrm>
-            <a:off x="342901" y="366713"/>
-            <a:ext cx="4476751" cy="7800975"/>
+            <a:off x="457200" y="274638"/>
+            <a:ext cx="6019800" cy="5851525"/>
           </a:xfrm>
         </p:spPr>
         <p:txBody>
@@ -632,7 +641,7 @@
           <a:p>
             <a:fld id="{B55C0BEB-FAE8-4553-9EB7-0AE4585424C2}" type="datetimeFigureOut">
               <a:rPr lang="zh-CN" altLang="en-US" smtClean="0"/>
-              <a:t>2012/8/31</a:t>
+              <a:t>2012/10/11</a:t>
             </a:fld>
             <a:endParaRPr lang="zh-CN" altLang="en-US"/>
           </a:p>
@@ -681,6 +690,11 @@
         </p:txBody>
       </p:sp>
     </p:spTree>
+    <p:extLst>
+      <p:ext uri="{BB962C8B-B14F-4D97-AF65-F5344CB8AC3E}">
+        <p14:creationId xmlns:p14="http://schemas.microsoft.com/office/powerpoint/2010/main" val="3755362394"/>
+      </p:ext>
+    </p:extLst>
   </p:cSld>
   <p:clrMapOvr>
     <a:masterClrMapping/>
@@ -797,7 +811,7 @@
           <a:p>
             <a:fld id="{B55C0BEB-FAE8-4553-9EB7-0AE4585424C2}" type="datetimeFigureOut">
               <a:rPr lang="zh-CN" altLang="en-US" smtClean="0"/>
-              <a:t>2012/8/31</a:t>
+              <a:t>2012/10/11</a:t>
             </a:fld>
             <a:endParaRPr lang="zh-CN" altLang="en-US"/>
           </a:p>
@@ -846,6 +860,11 @@
         </p:txBody>
       </p:sp>
     </p:spTree>
+    <p:extLst>
+      <p:ext uri="{BB962C8B-B14F-4D97-AF65-F5344CB8AC3E}">
+        <p14:creationId xmlns:p14="http://schemas.microsoft.com/office/powerpoint/2010/main" val="2884464327"/>
+      </p:ext>
+    </p:extLst>
   </p:cSld>
   <p:clrMapOvr>
     <a:masterClrMapping/>
@@ -914,7 +933,7 @@
         </p:nvSpPr>
         <p:spPr>
           <a:xfrm>
-            <a:off x="722313" y="2906714"/>
+            <a:off x="722313" y="2906713"/>
             <a:ext cx="7772400" cy="1500187"/>
           </a:xfrm>
         </p:spPr>
@@ -1038,7 +1057,7 @@
           <a:p>
             <a:fld id="{B55C0BEB-FAE8-4553-9EB7-0AE4585424C2}" type="datetimeFigureOut">
               <a:rPr lang="zh-CN" altLang="en-US" smtClean="0"/>
-              <a:t>2012/8/31</a:t>
+              <a:t>2012/10/11</a:t>
             </a:fld>
             <a:endParaRPr lang="zh-CN" altLang="en-US"/>
           </a:p>
@@ -1087,6 +1106,11 @@
         </p:txBody>
       </p:sp>
     </p:spTree>
+    <p:extLst>
+      <p:ext uri="{BB962C8B-B14F-4D97-AF65-F5344CB8AC3E}">
+        <p14:creationId xmlns:p14="http://schemas.microsoft.com/office/powerpoint/2010/main" val="1779989820"/>
+      </p:ext>
+    </p:extLst>
   </p:cSld>
   <p:clrMapOvr>
     <a:masterClrMapping/>
@@ -1146,8 +1170,8 @@
         </p:nvSpPr>
         <p:spPr>
           <a:xfrm>
-            <a:off x="342901" y="2133601"/>
-            <a:ext cx="3009900" cy="6034088"/>
+            <a:off x="457200" y="1600200"/>
+            <a:ext cx="4038600" cy="4525963"/>
           </a:xfrm>
         </p:spPr>
         <p:txBody>
@@ -1231,8 +1255,8 @@
         </p:nvSpPr>
         <p:spPr>
           <a:xfrm>
-            <a:off x="3505201" y="2133601"/>
-            <a:ext cx="3009900" cy="6034088"/>
+            <a:off x="4648200" y="1600200"/>
+            <a:ext cx="4038600" cy="4525963"/>
           </a:xfrm>
         </p:spPr>
         <p:txBody>
@@ -1321,7 +1345,7 @@
           <a:p>
             <a:fld id="{B55C0BEB-FAE8-4553-9EB7-0AE4585424C2}" type="datetimeFigureOut">
               <a:rPr lang="zh-CN" altLang="en-US" smtClean="0"/>
-              <a:t>2012/8/31</a:t>
+              <a:t>2012/10/11</a:t>
             </a:fld>
             <a:endParaRPr lang="zh-CN" altLang="en-US"/>
           </a:p>
@@ -1370,6 +1394,11 @@
         </p:txBody>
       </p:sp>
     </p:spTree>
+    <p:extLst>
+      <p:ext uri="{BB962C8B-B14F-4D97-AF65-F5344CB8AC3E}">
+        <p14:creationId xmlns:p14="http://schemas.microsoft.com/office/powerpoint/2010/main" val="3828166635"/>
+      </p:ext>
+    </p:extLst>
   </p:cSld>
   <p:clrMapOvr>
     <a:masterClrMapping/>
@@ -1404,12 +1433,7 @@
             <p:ph type="title"/>
           </p:nvPr>
         </p:nvSpPr>
-        <p:spPr>
-          <a:xfrm>
-            <a:off x="457200" y="274638"/>
-            <a:ext cx="8229600" cy="1143000"/>
-          </a:xfrm>
-        </p:spPr>
+        <p:spPr/>
         <p:txBody>
           <a:bodyPr/>
           <a:lstStyle>
@@ -1438,7 +1462,7 @@
         </p:nvSpPr>
         <p:spPr>
           <a:xfrm>
-            <a:off x="457201" y="1535113"/>
+            <a:off x="457200" y="1535113"/>
             <a:ext cx="4040188" cy="639762"/>
           </a:xfrm>
         </p:spPr>
@@ -1503,7 +1527,7 @@
         </p:nvSpPr>
         <p:spPr>
           <a:xfrm>
-            <a:off x="457201" y="2174875"/>
+            <a:off x="457200" y="2174875"/>
             <a:ext cx="4040188" cy="3951288"/>
           </a:xfrm>
         </p:spPr>
@@ -1588,7 +1612,7 @@
         </p:nvSpPr>
         <p:spPr>
           <a:xfrm>
-            <a:off x="4645026" y="1535113"/>
+            <a:off x="4645025" y="1535113"/>
             <a:ext cx="4041775" cy="639762"/>
           </a:xfrm>
         </p:spPr>
@@ -1653,7 +1677,7 @@
         </p:nvSpPr>
         <p:spPr>
           <a:xfrm>
-            <a:off x="4645026" y="2174875"/>
+            <a:off x="4645025" y="2174875"/>
             <a:ext cx="4041775" cy="3951288"/>
           </a:xfrm>
         </p:spPr>
@@ -1743,7 +1767,7 @@
           <a:p>
             <a:fld id="{B55C0BEB-FAE8-4553-9EB7-0AE4585424C2}" type="datetimeFigureOut">
               <a:rPr lang="zh-CN" altLang="en-US" smtClean="0"/>
-              <a:t>2012/8/31</a:t>
+              <a:t>2012/10/11</a:t>
             </a:fld>
             <a:endParaRPr lang="zh-CN" altLang="en-US"/>
           </a:p>
@@ -1792,6 +1816,11 @@
         </p:txBody>
       </p:sp>
     </p:spTree>
+    <p:extLst>
+      <p:ext uri="{BB962C8B-B14F-4D97-AF65-F5344CB8AC3E}">
+        <p14:creationId xmlns:p14="http://schemas.microsoft.com/office/powerpoint/2010/main" val="250429995"/>
+      </p:ext>
+    </p:extLst>
   </p:cSld>
   <p:clrMapOvr>
     <a:masterClrMapping/>
@@ -1856,7 +1885,7 @@
           <a:p>
             <a:fld id="{B55C0BEB-FAE8-4553-9EB7-0AE4585424C2}" type="datetimeFigureOut">
               <a:rPr lang="zh-CN" altLang="en-US" smtClean="0"/>
-              <a:t>2012/8/31</a:t>
+              <a:t>2012/10/11</a:t>
             </a:fld>
             <a:endParaRPr lang="zh-CN" altLang="en-US"/>
           </a:p>
@@ -1905,6 +1934,11 @@
         </p:txBody>
       </p:sp>
     </p:spTree>
+    <p:extLst>
+      <p:ext uri="{BB962C8B-B14F-4D97-AF65-F5344CB8AC3E}">
+        <p14:creationId xmlns:p14="http://schemas.microsoft.com/office/powerpoint/2010/main" val="905703104"/>
+      </p:ext>
+    </p:extLst>
   </p:cSld>
   <p:clrMapOvr>
     <a:masterClrMapping/>
@@ -1946,7 +1980,7 @@
           <a:p>
             <a:fld id="{B55C0BEB-FAE8-4553-9EB7-0AE4585424C2}" type="datetimeFigureOut">
               <a:rPr lang="zh-CN" altLang="en-US" smtClean="0"/>
-              <a:t>2012/8/31</a:t>
+              <a:t>2012/10/11</a:t>
             </a:fld>
             <a:endParaRPr lang="zh-CN" altLang="en-US"/>
           </a:p>
@@ -1995,6 +2029,11 @@
         </p:txBody>
       </p:sp>
     </p:spTree>
+    <p:extLst>
+      <p:ext uri="{BB962C8B-B14F-4D97-AF65-F5344CB8AC3E}">
+        <p14:creationId xmlns:p14="http://schemas.microsoft.com/office/powerpoint/2010/main" val="2684181960"/>
+      </p:ext>
+    </p:extLst>
   </p:cSld>
   <p:clrMapOvr>
     <a:masterClrMapping/>
@@ -2031,7 +2070,7 @@
         </p:nvSpPr>
         <p:spPr>
           <a:xfrm>
-            <a:off x="457201" y="273050"/>
+            <a:off x="457200" y="273050"/>
             <a:ext cx="3008313" cy="1162050"/>
           </a:xfrm>
         </p:spPr>
@@ -2063,8 +2102,8 @@
         </p:nvSpPr>
         <p:spPr>
           <a:xfrm>
-            <a:off x="3575050" y="273051"/>
-            <a:ext cx="5111751" cy="5853113"/>
+            <a:off x="3575050" y="273050"/>
+            <a:ext cx="5111750" cy="5853113"/>
           </a:xfrm>
         </p:spPr>
         <p:txBody>
@@ -2148,7 +2187,7 @@
         </p:nvSpPr>
         <p:spPr>
           <a:xfrm>
-            <a:off x="457201" y="1435101"/>
+            <a:off x="457200" y="1435100"/>
             <a:ext cx="3008313" cy="4691063"/>
           </a:xfrm>
         </p:spPr>
@@ -2218,7 +2257,7 @@
           <a:p>
             <a:fld id="{B55C0BEB-FAE8-4553-9EB7-0AE4585424C2}" type="datetimeFigureOut">
               <a:rPr lang="zh-CN" altLang="en-US" smtClean="0"/>
-              <a:t>2012/8/31</a:t>
+              <a:t>2012/10/11</a:t>
             </a:fld>
             <a:endParaRPr lang="zh-CN" altLang="en-US"/>
           </a:p>
@@ -2267,6 +2306,11 @@
         </p:txBody>
       </p:sp>
     </p:spTree>
+    <p:extLst>
+      <p:ext uri="{BB962C8B-B14F-4D97-AF65-F5344CB8AC3E}">
+        <p14:creationId xmlns:p14="http://schemas.microsoft.com/office/powerpoint/2010/main" val="2534839901"/>
+      </p:ext>
+    </p:extLst>
   </p:cSld>
   <p:clrMapOvr>
     <a:masterClrMapping/>
@@ -2303,7 +2347,7 @@
         </p:nvSpPr>
         <p:spPr>
           <a:xfrm>
-            <a:off x="1792288" y="4800601"/>
+            <a:off x="1792288" y="4800600"/>
             <a:ext cx="5486400" cy="566738"/>
           </a:xfrm>
         </p:spPr>
@@ -2380,10 +2424,6 @@
             </a:lvl9pPr>
           </a:lstStyle>
           <a:p>
-            <a:r>
-              <a:rPr lang="zh-CN" altLang="en-US" smtClean="0"/>
-              <a:t>单击图标添加图片</a:t>
-            </a:r>
             <a:endParaRPr lang="zh-CN" altLang="en-US"/>
           </a:p>
         </p:txBody>
@@ -2400,7 +2440,7 @@
         </p:nvSpPr>
         <p:spPr>
           <a:xfrm>
-            <a:off x="1792288" y="5367339"/>
+            <a:off x="1792288" y="5367338"/>
             <a:ext cx="5486400" cy="804862"/>
           </a:xfrm>
         </p:spPr>
@@ -2470,7 +2510,7 @@
           <a:p>
             <a:fld id="{B55C0BEB-FAE8-4553-9EB7-0AE4585424C2}" type="datetimeFigureOut">
               <a:rPr lang="zh-CN" altLang="en-US" smtClean="0"/>
-              <a:t>2012/8/31</a:t>
+              <a:t>2012/10/11</a:t>
             </a:fld>
             <a:endParaRPr lang="zh-CN" altLang="en-US"/>
           </a:p>
@@ -2519,6 +2559,11 @@
         </p:txBody>
       </p:sp>
     </p:spTree>
+    <p:extLst>
+      <p:ext uri="{BB962C8B-B14F-4D97-AF65-F5344CB8AC3E}">
+        <p14:creationId xmlns:p14="http://schemas.microsoft.com/office/powerpoint/2010/main" val="2588620037"/>
+      </p:ext>
+    </p:extLst>
   </p:cSld>
   <p:clrMapOvr>
     <a:masterClrMapping/>
@@ -2593,7 +2638,7 @@
         </p:nvSpPr>
         <p:spPr>
           <a:xfrm>
-            <a:off x="457200" y="1600201"/>
+            <a:off x="457200" y="1600200"/>
             <a:ext cx="8229600" cy="4525963"/>
           </a:xfrm>
           <a:prstGeom prst="rect">
@@ -2655,7 +2700,7 @@
         </p:nvSpPr>
         <p:spPr>
           <a:xfrm>
-            <a:off x="457200" y="6356351"/>
+            <a:off x="457200" y="6356350"/>
             <a:ext cx="2133600" cy="365125"/>
           </a:xfrm>
           <a:prstGeom prst="rect">
@@ -2678,7 +2723,7 @@
           <a:p>
             <a:fld id="{B55C0BEB-FAE8-4553-9EB7-0AE4585424C2}" type="datetimeFigureOut">
               <a:rPr lang="zh-CN" altLang="en-US" smtClean="0"/>
-              <a:t>2012/8/31</a:t>
+              <a:t>2012/10/11</a:t>
             </a:fld>
             <a:endParaRPr lang="zh-CN" altLang="en-US"/>
           </a:p>
@@ -2696,7 +2741,7 @@
         </p:nvSpPr>
         <p:spPr>
           <a:xfrm>
-            <a:off x="3124200" y="6356351"/>
+            <a:off x="3124200" y="6356350"/>
             <a:ext cx="2895600" cy="365125"/>
           </a:xfrm>
           <a:prstGeom prst="rect">
@@ -2733,7 +2778,7 @@
         </p:nvSpPr>
         <p:spPr>
           <a:xfrm>
-            <a:off x="6553200" y="6356351"/>
+            <a:off x="6553200" y="6356350"/>
             <a:ext cx="2133600" cy="365125"/>
           </a:xfrm>
           <a:prstGeom prst="rect">
@@ -2763,20 +2808,25 @@
         </p:txBody>
       </p:sp>
     </p:spTree>
+    <p:extLst>
+      <p:ext uri="{BB962C8B-B14F-4D97-AF65-F5344CB8AC3E}">
+        <p14:creationId xmlns:p14="http://schemas.microsoft.com/office/powerpoint/2010/main" val="1859369791"/>
+      </p:ext>
+    </p:extLst>
   </p:cSld>
-  <p:clrMap bg1="dk1" tx1="lt1" bg2="dk2" tx2="lt2" accent1="accent1" accent2="accent2" accent3="accent3" accent4="accent4" accent5="accent5" accent6="accent6" hlink="hlink" folHlink="folHlink"/>
+  <p:clrMap bg1="lt1" tx1="dk1" bg2="lt2" tx2="dk2" accent1="accent1" accent2="accent2" accent3="accent3" accent4="accent4" accent5="accent5" accent6="accent6" hlink="hlink" folHlink="folHlink"/>
   <p:sldLayoutIdLst>
-    <p:sldLayoutId id="2147483661" r:id="rId1"/>
-    <p:sldLayoutId id="2147483662" r:id="rId2"/>
-    <p:sldLayoutId id="2147483663" r:id="rId3"/>
-    <p:sldLayoutId id="2147483664" r:id="rId4"/>
-    <p:sldLayoutId id="2147483665" r:id="rId5"/>
-    <p:sldLayoutId id="2147483666" r:id="rId6"/>
-    <p:sldLayoutId id="2147483667" r:id="rId7"/>
-    <p:sldLayoutId id="2147483668" r:id="rId8"/>
-    <p:sldLayoutId id="2147483669" r:id="rId9"/>
-    <p:sldLayoutId id="2147483670" r:id="rId10"/>
-    <p:sldLayoutId id="2147483671" r:id="rId11"/>
+    <p:sldLayoutId id="2147483673" r:id="rId1"/>
+    <p:sldLayoutId id="2147483674" r:id="rId2"/>
+    <p:sldLayoutId id="2147483675" r:id="rId3"/>
+    <p:sldLayoutId id="2147483676" r:id="rId4"/>
+    <p:sldLayoutId id="2147483677" r:id="rId5"/>
+    <p:sldLayoutId id="2147483678" r:id="rId6"/>
+    <p:sldLayoutId id="2147483679" r:id="rId7"/>
+    <p:sldLayoutId id="2147483680" r:id="rId8"/>
+    <p:sldLayoutId id="2147483681" r:id="rId9"/>
+    <p:sldLayoutId id="2147483682" r:id="rId10"/>
+    <p:sldLayoutId id="2147483683" r:id="rId11"/>
   </p:sldLayoutIdLst>
   <p:txStyles>
     <p:titleStyle>
@@ -3064,8 +3114,12 @@
           <a:lstStyle/>
           <a:p>
             <a:r>
-              <a:rPr lang="en-US" altLang="zh-CN" dirty="0" err="1" smtClean="0"/>
-              <a:t>Esql</a:t>
+              <a:rPr lang="en-US" altLang="zh-CN" dirty="0" smtClean="0"/>
+              <a:t>ESQL</a:t>
+            </a:r>
+            <a:r>
+              <a:rPr lang="zh-CN" altLang="en-US" dirty="0" smtClean="0"/>
+              <a:t>介绍</a:t>
             </a:r>
             <a:endParaRPr lang="zh-CN" altLang="en-US" dirty="0"/>
           </a:p>
@@ -3140,8 +3194,12 @@
           <a:lstStyle/>
           <a:p>
             <a:r>
-              <a:rPr lang="zh-CN" altLang="en-US" dirty="0" smtClean="0"/>
-              <a:t>名称由何而来</a:t>
+              <a:rPr lang="en-US" altLang="zh-CN" dirty="0"/>
+              <a:t>W</a:t>
+            </a:r>
+            <a:r>
+              <a:rPr lang="en-US" altLang="zh-CN" dirty="0" smtClean="0"/>
+              <a:t>hy named E-SQL</a:t>
             </a:r>
             <a:endParaRPr lang="zh-CN" altLang="en-US" dirty="0"/>
           </a:p>
@@ -3274,26 +3332,9 @@
           <a:lstStyle/>
           <a:p>
             <a:r>
-              <a:rPr lang="en-US" altLang="zh-CN" dirty="0" smtClean="0">
-                <a:solidFill>
-                  <a:srgbClr val="FF0000"/>
-                </a:solidFill>
-              </a:rPr>
-              <a:t>JDBC insert</a:t>
-            </a:r>
-            <a:r>
-              <a:rPr lang="zh-CN" altLang="en-US" dirty="0" smtClean="0">
-                <a:solidFill>
-                  <a:srgbClr val="FF0000"/>
-                </a:solidFill>
-              </a:rPr>
-              <a:t>返回什么？</a:t>
-            </a:r>
-            <a:endParaRPr lang="zh-CN" altLang="en-US" dirty="0">
-              <a:solidFill>
-                <a:srgbClr val="FF0000"/>
-              </a:solidFill>
-            </a:endParaRPr>
+              <a:rPr lang="zh-CN" altLang="en-US" dirty="0"/>
+              <a:t>存储过程</a:t>
+            </a:r>
           </a:p>
         </p:txBody>
       </p:sp>
@@ -3312,14 +3353,14 @@
           <a:bodyPr/>
           <a:lstStyle/>
           <a:p>
-            <a:endParaRPr lang="zh-CN" altLang="en-US" dirty="0"/>
+            <a:endParaRPr lang="zh-CN" altLang="en-US"/>
           </a:p>
         </p:txBody>
       </p:sp>
     </p:spTree>
     <p:extLst>
       <p:ext uri="{BB962C8B-B14F-4D97-AF65-F5344CB8AC3E}">
-        <p14:creationId xmlns:p14="http://schemas.microsoft.com/office/powerpoint/2010/main" val="714414262"/>
+        <p14:creationId xmlns:p14="http://schemas.microsoft.com/office/powerpoint/2010/main" val="3840306199"/>
       </p:ext>
     </p:extLst>
   </p:cSld>
@@ -3362,77 +3403,6 @@
           <a:lstStyle/>
           <a:p>
             <a:r>
-              <a:rPr lang="zh-CN" altLang="en-US" dirty="0"/>
-              <a:t>存储过程</a:t>
-            </a:r>
-          </a:p>
-        </p:txBody>
-      </p:sp>
-      <p:sp>
-        <p:nvSpPr>
-          <p:cNvPr id="3" name="内容占位符 2"/>
-          <p:cNvSpPr>
-            <a:spLocks noGrp="1"/>
-          </p:cNvSpPr>
-          <p:nvPr>
-            <p:ph idx="1"/>
-          </p:nvPr>
-        </p:nvSpPr>
-        <p:spPr/>
-        <p:txBody>
-          <a:bodyPr/>
-          <a:lstStyle/>
-          <a:p>
-            <a:endParaRPr lang="zh-CN" altLang="en-US"/>
-          </a:p>
-        </p:txBody>
-      </p:sp>
-    </p:spTree>
-    <p:extLst>
-      <p:ext uri="{BB962C8B-B14F-4D97-AF65-F5344CB8AC3E}">
-        <p14:creationId xmlns:p14="http://schemas.microsoft.com/office/powerpoint/2010/main" val="3840306199"/>
-      </p:ext>
-    </p:extLst>
-  </p:cSld>
-  <p:clrMapOvr>
-    <a:masterClrMapping/>
-  </p:clrMapOvr>
-</p:sld>
-</file>
-
-<file path=ppt/slides/slide5.xml><?xml version="1.0" encoding="utf-8"?>
-<p:sld xmlns:a="http://schemas.openxmlformats.org/drawingml/2006/main" xmlns:r="http://schemas.openxmlformats.org/officeDocument/2006/relationships" xmlns:p="http://schemas.openxmlformats.org/presentationml/2006/main">
-  <p:cSld>
-    <p:spTree>
-      <p:nvGrpSpPr>
-        <p:cNvPr id="1" name=""/>
-        <p:cNvGrpSpPr/>
-        <p:nvPr/>
-      </p:nvGrpSpPr>
-      <p:grpSpPr>
-        <a:xfrm>
-          <a:off x="0" y="0"/>
-          <a:ext cx="0" cy="0"/>
-          <a:chOff x="0" y="0"/>
-          <a:chExt cx="0" cy="0"/>
-        </a:xfrm>
-      </p:grpSpPr>
-      <p:sp>
-        <p:nvSpPr>
-          <p:cNvPr id="2" name="标题 1"/>
-          <p:cNvSpPr>
-            <a:spLocks noGrp="1"/>
-          </p:cNvSpPr>
-          <p:nvPr>
-            <p:ph type="title"/>
-          </p:nvPr>
-        </p:nvSpPr>
-        <p:spPr/>
-        <p:txBody>
-          <a:bodyPr/>
-          <a:lstStyle/>
-          <a:p>
-            <a:r>
               <a:rPr lang="en-US" altLang="zh-CN" dirty="0" smtClean="0"/>
               <a:t>LOG</a:t>
             </a:r>
@@ -3477,7 +3447,7 @@
 </file>
 
 <file path=ppt/theme/theme1.xml><?xml version="1.0" encoding="utf-8"?>
-<a:theme xmlns:a="http://schemas.openxmlformats.org/drawingml/2006/main" name="Black">
+<a:theme xmlns:a="http://schemas.openxmlformats.org/drawingml/2006/main" name="Office 主题​​">
   <a:themeElements>
     <a:clrScheme name="Office">
       <a:dk1>
@@ -3551,6 +3521,7 @@
         <a:font script="Mong" typeface="Mongolian Baiti"/>
         <a:font script="Viet" typeface="Times New Roman"/>
         <a:font script="Uigh" typeface="Microsoft Uighur"/>
+        <a:font script="Geor" typeface="Sylfaen"/>
       </a:majorFont>
       <a:minorFont>
         <a:latin typeface="Calibri"/>
@@ -3585,9 +3556,10 @@
         <a:font script="Mong" typeface="Mongolian Baiti"/>
         <a:font script="Viet" typeface="Arial"/>
         <a:font script="Uigh" typeface="Microsoft Uighur"/>
+        <a:font script="Geor" typeface="Sylfaen"/>
       </a:minorFont>
     </a:fontScheme>
-    <a:fmtScheme name="跋涉">
+    <a:fmtScheme name="Office">
       <a:fillStyleLst>
         <a:solidFill>
           <a:schemeClr val="phClr"/>
@@ -3596,77 +3568,56 @@
           <a:gsLst>
             <a:gs pos="0">
               <a:schemeClr val="phClr">
-                <a:tint val="30000"/>
-                <a:satMod val="250000"/>
+                <a:tint val="50000"/>
+                <a:satMod val="300000"/>
               </a:schemeClr>
             </a:gs>
-            <a:gs pos="72000">
+            <a:gs pos="35000">
               <a:schemeClr val="phClr">
-                <a:tint val="75000"/>
-                <a:satMod val="210000"/>
+                <a:tint val="37000"/>
+                <a:satMod val="300000"/>
               </a:schemeClr>
             </a:gs>
             <a:gs pos="100000">
               <a:schemeClr val="phClr">
-                <a:tint val="85000"/>
-                <a:satMod val="210000"/>
+                <a:tint val="15000"/>
+                <a:satMod val="350000"/>
               </a:schemeClr>
             </a:gs>
           </a:gsLst>
-          <a:lin ang="5400000" scaled="1"/>
+          <a:lin ang="16200000" scaled="1"/>
         </a:gradFill>
         <a:gradFill rotWithShape="1">
           <a:gsLst>
             <a:gs pos="0">
               <a:schemeClr val="phClr">
-                <a:tint val="75000"/>
-                <a:shade val="85000"/>
-                <a:satMod val="230000"/>
-              </a:schemeClr>
-            </a:gs>
-            <a:gs pos="25000">
-              <a:schemeClr val="phClr">
-                <a:tint val="90000"/>
-                <a:shade val="70000"/>
-                <a:satMod val="220000"/>
-              </a:schemeClr>
-            </a:gs>
-            <a:gs pos="50000">
-              <a:schemeClr val="phClr">
-                <a:tint val="90000"/>
-                <a:shade val="58000"/>
-                <a:satMod val="225000"/>
-              </a:schemeClr>
-            </a:gs>
-            <a:gs pos="65000">
-              <a:schemeClr val="phClr">
-                <a:tint val="90000"/>
-                <a:shade val="58000"/>
-                <a:satMod val="225000"/>
+                <a:shade val="51000"/>
+                <a:satMod val="130000"/>
               </a:schemeClr>
             </a:gs>
             <a:gs pos="80000">
               <a:schemeClr val="phClr">
-                <a:tint val="90000"/>
-                <a:shade val="69000"/>
-                <a:satMod val="220000"/>
+                <a:shade val="93000"/>
+                <a:satMod val="130000"/>
               </a:schemeClr>
             </a:gs>
             <a:gs pos="100000">
               <a:schemeClr val="phClr">
-                <a:tint val="77000"/>
-                <a:shade val="80000"/>
-                <a:satMod val="230000"/>
+                <a:shade val="94000"/>
+                <a:satMod val="135000"/>
               </a:schemeClr>
             </a:gs>
           </a:gsLst>
-          <a:lin ang="5400000" scaled="1"/>
+          <a:lin ang="16200000" scaled="0"/>
         </a:gradFill>
       </a:fillStyleLst>
       <a:lnStyleLst>
-        <a:ln w="10000" cap="flat" cmpd="sng" algn="ctr">
+        <a:ln w="9525" cap="flat" cmpd="sng" algn="ctr">
           <a:solidFill>
-            <a:schemeClr val="phClr"/>
+            <a:schemeClr val="phClr">
+              <a:shade val="95000"/>
+              <a:satMod val="105000"/>
+            </a:schemeClr>
           </a:solidFill>
           <a:prstDash val="solid"/>
         </a:ln>
@@ -3686,18 +3637,27 @@
       <a:effectStyleLst>
         <a:effectStyle>
           <a:effectLst>
-            <a:outerShdw blurRad="76200" dist="50800" dir="5400000" rotWithShape="0">
-              <a:srgbClr val="4E3B30">
-                <a:alpha val="60000"/>
+            <a:outerShdw blurRad="40000" dist="20000" dir="5400000" rotWithShape="0">
+              <a:srgbClr val="000000">
+                <a:alpha val="38000"/>
               </a:srgbClr>
             </a:outerShdw>
           </a:effectLst>
         </a:effectStyle>
         <a:effectStyle>
           <a:effectLst>
-            <a:outerShdw blurRad="76200" dist="50800" dir="5400000" rotWithShape="0">
-              <a:srgbClr val="4E3B30">
-                <a:alpha val="60000"/>
+            <a:outerShdw blurRad="40000" dist="23000" dir="5400000" rotWithShape="0">
+              <a:srgbClr val="000000">
+                <a:alpha val="35000"/>
+              </a:srgbClr>
+            </a:outerShdw>
+          </a:effectLst>
+        </a:effectStyle>
+        <a:effectStyle>
+          <a:effectLst>
+            <a:outerShdw blurRad="40000" dist="23000" dir="5400000" rotWithShape="0">
+              <a:srgbClr val="000000">
+                <a:alpha val="35000"/>
               </a:srgbClr>
             </a:outerShdw>
           </a:effectLst>
@@ -3705,38 +3665,12 @@
             <a:camera prst="orthographicFront">
               <a:rot lat="0" lon="0" rev="0"/>
             </a:camera>
-            <a:lightRig rig="threePt" dir="tl">
-              <a:rot lat="0" lon="0" rev="0"/>
+            <a:lightRig rig="threePt" dir="t">
+              <a:rot lat="0" lon="0" rev="1200000"/>
             </a:lightRig>
           </a:scene3d>
-          <a:sp3d prstMaterial="metal">
-            <a:bevelT w="10000" h="10000"/>
-          </a:sp3d>
-        </a:effectStyle>
-        <a:effectStyle>
-          <a:effectLst>
-            <a:outerShdw blurRad="76200" dist="50800" dir="5400000" rotWithShape="0">
-              <a:srgbClr val="4E3B30">
-                <a:alpha val="60000"/>
-              </a:srgbClr>
-            </a:outerShdw>
-          </a:effectLst>
-          <a:scene3d>
-            <a:camera prst="obliqueTopLeft" fov="600000">
-              <a:rot lat="0" lon="0" rev="0"/>
-            </a:camera>
-            <a:lightRig rig="balanced" dir="t">
-              <a:rot lat="0" lon="0" rev="19200000"/>
-            </a:lightRig>
-          </a:scene3d>
-          <a:sp3d contourW="12700" prstMaterial="matte">
-            <a:bevelT w="60000" h="50800"/>
-            <a:contourClr>
-              <a:schemeClr val="phClr">
-                <a:shade val="60000"/>
-                <a:satMod val="110000"/>
-              </a:schemeClr>
-            </a:contourClr>
+          <a:sp3d>
+            <a:bevelT w="63500" h="25400"/>
           </a:sp3d>
         </a:effectStyle>
       </a:effectStyleLst>
